--- a/Public transportation and optimization.pptx
+++ b/Public transportation and optimization.pptx
@@ -12,6 +12,9 @@
     <p:sldId id="261" r:id="rId6"/>
     <p:sldId id="262" r:id="rId7"/>
     <p:sldId id="263" r:id="rId8"/>
+    <p:sldId id="265" r:id="rId9"/>
+    <p:sldId id="266" r:id="rId10"/>
+    <p:sldId id="267" r:id="rId11"/>
   </p:sldIdLst>
   <p:sldSz cx="9144000" cy="6858000" type="screen4x3"/>
   <p:notesSz cx="6858000" cy="9144000"/>
@@ -224,7 +227,8 @@
           <a:p>
             <a:fld id="{EB12A38C-E636-498E-BE7F-1E7E935B7FBC}" type="datetimeFigureOut">
               <a:rPr lang="en-US" smtClean="0"/>
-              <a:t>10/11/2023</a:t>
+              <a:pPr/>
+              <a:t>10/18/2023</a:t>
             </a:fld>
             <a:endParaRPr lang="en-US"/>
           </a:p>
@@ -266,6 +270,7 @@
           <a:p>
             <a:fld id="{F4FC3364-6020-4CDC-8858-D232A999BF44}" type="slidenum">
               <a:rPr lang="en-US" smtClean="0"/>
+              <a:pPr/>
               <a:t>‹#›</a:t>
             </a:fld>
             <a:endParaRPr lang="en-US"/>
@@ -450,7 +455,8 @@
           <a:p>
             <a:fld id="{EB12A38C-E636-498E-BE7F-1E7E935B7FBC}" type="datetimeFigureOut">
               <a:rPr lang="en-US" smtClean="0"/>
-              <a:t>10/11/2023</a:t>
+              <a:pPr/>
+              <a:t>10/18/2023</a:t>
             </a:fld>
             <a:endParaRPr lang="en-US"/>
           </a:p>
@@ -492,6 +498,7 @@
           <a:p>
             <a:fld id="{F4FC3364-6020-4CDC-8858-D232A999BF44}" type="slidenum">
               <a:rPr lang="en-US" smtClean="0"/>
+              <a:pPr/>
               <a:t>‹#›</a:t>
             </a:fld>
             <a:endParaRPr lang="en-US"/>
@@ -625,7 +632,8 @@
           <a:p>
             <a:fld id="{EB12A38C-E636-498E-BE7F-1E7E935B7FBC}" type="datetimeFigureOut">
               <a:rPr lang="en-US" smtClean="0"/>
-              <a:t>10/11/2023</a:t>
+              <a:pPr/>
+              <a:t>10/18/2023</a:t>
             </a:fld>
             <a:endParaRPr lang="en-US"/>
           </a:p>
@@ -667,6 +675,7 @@
           <a:p>
             <a:fld id="{F4FC3364-6020-4CDC-8858-D232A999BF44}" type="slidenum">
               <a:rPr lang="en-US" smtClean="0"/>
+              <a:pPr/>
               <a:t>‹#›</a:t>
             </a:fld>
             <a:endParaRPr lang="en-US"/>
@@ -790,7 +799,8 @@
           <a:p>
             <a:fld id="{EB12A38C-E636-498E-BE7F-1E7E935B7FBC}" type="datetimeFigureOut">
               <a:rPr lang="en-US" smtClean="0"/>
-              <a:t>10/11/2023</a:t>
+              <a:pPr/>
+              <a:t>10/18/2023</a:t>
             </a:fld>
             <a:endParaRPr lang="en-US"/>
           </a:p>
@@ -832,6 +842,7 @@
           <a:p>
             <a:fld id="{F4FC3364-6020-4CDC-8858-D232A999BF44}" type="slidenum">
               <a:rPr lang="en-US" smtClean="0"/>
+              <a:pPr/>
               <a:t>‹#›</a:t>
             </a:fld>
             <a:endParaRPr lang="en-US"/>
@@ -1034,7 +1045,8 @@
           <a:p>
             <a:fld id="{EB12A38C-E636-498E-BE7F-1E7E935B7FBC}" type="datetimeFigureOut">
               <a:rPr lang="en-US" smtClean="0"/>
-              <a:t>10/11/2023</a:t>
+              <a:pPr/>
+              <a:t>10/18/2023</a:t>
             </a:fld>
             <a:endParaRPr lang="en-US"/>
           </a:p>
@@ -1081,6 +1093,7 @@
           <a:p>
             <a:fld id="{F4FC3364-6020-4CDC-8858-D232A999BF44}" type="slidenum">
               <a:rPr lang="en-US" smtClean="0"/>
+              <a:pPr/>
               <a:t>‹#›</a:t>
             </a:fld>
             <a:endParaRPr lang="en-US"/>
@@ -1298,7 +1311,8 @@
           <a:p>
             <a:fld id="{EB12A38C-E636-498E-BE7F-1E7E935B7FBC}" type="datetimeFigureOut">
               <a:rPr lang="en-US" smtClean="0"/>
-              <a:t>10/11/2023</a:t>
+              <a:pPr/>
+              <a:t>10/18/2023</a:t>
             </a:fld>
             <a:endParaRPr lang="en-US"/>
           </a:p>
@@ -1340,6 +1354,7 @@
           <a:p>
             <a:fld id="{F4FC3364-6020-4CDC-8858-D232A999BF44}" type="slidenum">
               <a:rPr lang="en-US" smtClean="0"/>
+              <a:pPr/>
               <a:t>‹#›</a:t>
             </a:fld>
             <a:endParaRPr lang="en-US"/>
@@ -1672,7 +1687,8 @@
           <a:p>
             <a:fld id="{EB12A38C-E636-498E-BE7F-1E7E935B7FBC}" type="datetimeFigureOut">
               <a:rPr lang="en-US" smtClean="0"/>
-              <a:t>10/11/2023</a:t>
+              <a:pPr/>
+              <a:t>10/18/2023</a:t>
             </a:fld>
             <a:endParaRPr lang="en-US"/>
           </a:p>
@@ -1714,6 +1730,7 @@
           <a:p>
             <a:fld id="{F4FC3364-6020-4CDC-8858-D232A999BF44}" type="slidenum">
               <a:rPr lang="en-US" smtClean="0"/>
+              <a:pPr/>
               <a:t>‹#›</a:t>
             </a:fld>
             <a:endParaRPr lang="en-US"/>
@@ -1785,7 +1802,8 @@
           <a:p>
             <a:fld id="{EB12A38C-E636-498E-BE7F-1E7E935B7FBC}" type="datetimeFigureOut">
               <a:rPr lang="en-US" smtClean="0"/>
-              <a:t>10/11/2023</a:t>
+              <a:pPr/>
+              <a:t>10/18/2023</a:t>
             </a:fld>
             <a:endParaRPr lang="en-US"/>
           </a:p>
@@ -1827,6 +1845,7 @@
           <a:p>
             <a:fld id="{F4FC3364-6020-4CDC-8858-D232A999BF44}" type="slidenum">
               <a:rPr lang="en-US" smtClean="0"/>
+              <a:pPr/>
               <a:t>‹#›</a:t>
             </a:fld>
             <a:endParaRPr lang="en-US"/>
@@ -1875,7 +1894,8 @@
           <a:p>
             <a:fld id="{EB12A38C-E636-498E-BE7F-1E7E935B7FBC}" type="datetimeFigureOut">
               <a:rPr lang="en-US" smtClean="0"/>
-              <a:t>10/11/2023</a:t>
+              <a:pPr/>
+              <a:t>10/18/2023</a:t>
             </a:fld>
             <a:endParaRPr lang="en-US"/>
           </a:p>
@@ -1917,6 +1937,7 @@
           <a:p>
             <a:fld id="{F4FC3364-6020-4CDC-8858-D232A999BF44}" type="slidenum">
               <a:rPr lang="en-US" smtClean="0"/>
+              <a:pPr/>
               <a:t>‹#›</a:t>
             </a:fld>
             <a:endParaRPr lang="en-US"/>
@@ -2133,7 +2154,8 @@
           <a:p>
             <a:fld id="{EB12A38C-E636-498E-BE7F-1E7E935B7FBC}" type="datetimeFigureOut">
               <a:rPr lang="en-US" smtClean="0"/>
-              <a:t>10/11/2023</a:t>
+              <a:pPr/>
+              <a:t>10/18/2023</a:t>
             </a:fld>
             <a:endParaRPr lang="en-US"/>
           </a:p>
@@ -2175,6 +2197,7 @@
           <a:p>
             <a:fld id="{F4FC3364-6020-4CDC-8858-D232A999BF44}" type="slidenum">
               <a:rPr lang="en-US" smtClean="0"/>
+              <a:pPr/>
               <a:t>‹#›</a:t>
             </a:fld>
             <a:endParaRPr lang="en-US"/>
@@ -2397,7 +2420,8 @@
           <a:p>
             <a:fld id="{EB12A38C-E636-498E-BE7F-1E7E935B7FBC}" type="datetimeFigureOut">
               <a:rPr lang="en-US" smtClean="0"/>
-              <a:t>10/11/2023</a:t>
+              <a:pPr/>
+              <a:t>10/18/2023</a:t>
             </a:fld>
             <a:endParaRPr lang="en-US"/>
           </a:p>
@@ -2439,6 +2463,7 @@
           <a:p>
             <a:fld id="{F4FC3364-6020-4CDC-8858-D232A999BF44}" type="slidenum">
               <a:rPr lang="en-US" smtClean="0"/>
+              <a:pPr/>
               <a:t>‹#›</a:t>
             </a:fld>
             <a:endParaRPr lang="en-US"/>
@@ -2614,7 +2639,8 @@
           <a:p>
             <a:fld id="{EB12A38C-E636-498E-BE7F-1E7E935B7FBC}" type="datetimeFigureOut">
               <a:rPr lang="en-US" smtClean="0"/>
-              <a:t>10/11/2023</a:t>
+              <a:pPr/>
+              <a:t>10/18/2023</a:t>
             </a:fld>
             <a:endParaRPr lang="en-US"/>
           </a:p>
@@ -2692,6 +2718,7 @@
           <a:p>
             <a:fld id="{F4FC3364-6020-4CDC-8858-D232A999BF44}" type="slidenum">
               <a:rPr lang="en-US" smtClean="0"/>
+              <a:pPr/>
               <a:t>‹#›</a:t>
             </a:fld>
             <a:endParaRPr lang="en-US"/>
@@ -3164,6 +3191,101 @@
 </p:sld>
 </file>
 
+<file path=ppt/slides/slide10.xml><?xml version="1.0" encoding="utf-8"?>
+<p:sld xmlns:a="http://schemas.openxmlformats.org/drawingml/2006/main" xmlns:r="http://schemas.openxmlformats.org/officeDocument/2006/relationships" xmlns:p="http://schemas.openxmlformats.org/presentationml/2006/main">
+  <p:cSld>
+    <p:spTree>
+      <p:nvGrpSpPr>
+        <p:cNvPr id="1" name=""/>
+        <p:cNvGrpSpPr/>
+        <p:nvPr/>
+      </p:nvGrpSpPr>
+      <p:grpSpPr>
+        <a:xfrm>
+          <a:off x="0" y="0"/>
+          <a:ext cx="0" cy="0"/>
+          <a:chOff x="0" y="0"/>
+          <a:chExt cx="0" cy="0"/>
+        </a:xfrm>
+      </p:grpSpPr>
+      <p:sp>
+        <p:nvSpPr>
+          <p:cNvPr id="2" name="Title 1"/>
+          <p:cNvSpPr>
+            <a:spLocks noGrp="1"/>
+          </p:cNvSpPr>
+          <p:nvPr>
+            <p:ph type="title"/>
+          </p:nvPr>
+        </p:nvSpPr>
+        <p:spPr/>
+        <p:txBody>
+          <a:bodyPr>
+            <a:normAutofit/>
+          </a:bodyPr>
+          <a:lstStyle/>
+          <a:p>
+            <a:r>
+              <a:rPr lang="en-IN" sz="2400" dirty="0" smtClean="0"/>
+              <a:t>Traffic signal monitoring in emergency time:</a:t>
+            </a:r>
+            <a:endParaRPr lang="en-US" sz="2400" dirty="0"/>
+          </a:p>
+        </p:txBody>
+      </p:sp>
+      <p:sp>
+        <p:nvSpPr>
+          <p:cNvPr id="3" name="Content Placeholder 2"/>
+          <p:cNvSpPr>
+            <a:spLocks noGrp="1"/>
+          </p:cNvSpPr>
+          <p:nvPr>
+            <p:ph idx="1"/>
+          </p:nvPr>
+        </p:nvSpPr>
+        <p:spPr/>
+        <p:txBody>
+          <a:bodyPr>
+            <a:normAutofit fontScale="92500" lnSpcReduction="20000"/>
+          </a:bodyPr>
+          <a:lstStyle/>
+          <a:p>
+            <a:r>
+              <a:rPr lang="en-US" dirty="0" err="1" smtClean="0"/>
+              <a:t>handleEmergencyMessage</a:t>
+            </a:r>
+            <a:r>
+              <a:rPr lang="en-US" dirty="0" smtClean="0"/>
+              <a:t> calculates the distance between the traffic signal and the vehicle and updates the state. The state can be either NORMAL(0) or CRITICAL(1), meaning that the emergency vehicle is in close proximity to the signal intersection.</a:t>
+            </a:r>
+          </a:p>
+          <a:p>
+            <a:r>
+              <a:rPr lang="en-US" dirty="0" smtClean="0"/>
+              <a:t>Based on the current state, the function </a:t>
+            </a:r>
+            <a:r>
+              <a:rPr lang="en-US" dirty="0" err="1" smtClean="0"/>
+              <a:t>updateTrafficSignal</a:t>
+            </a:r>
+            <a:r>
+              <a:rPr lang="en-US" dirty="0" smtClean="0"/>
+              <a:t> gets invoked periodically and takes the appropriate action. For the NORMAL case, it just toggles through the normal sequence of red, amber and green lights. For the CRITICAL state, it holds on to the green light to allow the passage of the emergency vehicle.</a:t>
+            </a:r>
+          </a:p>
+          <a:p>
+            <a:endParaRPr lang="en-US" dirty="0"/>
+          </a:p>
+        </p:txBody>
+      </p:sp>
+    </p:spTree>
+  </p:cSld>
+  <p:clrMapOvr>
+    <a:masterClrMapping/>
+  </p:clrMapOvr>
+</p:sld>
+</file>
+
 <file path=ppt/slides/slide2.xml><?xml version="1.0" encoding="utf-8"?>
 <p:sld xmlns:a="http://schemas.openxmlformats.org/drawingml/2006/main" xmlns:r="http://schemas.openxmlformats.org/officeDocument/2006/relationships" xmlns:p="http://schemas.openxmlformats.org/presentationml/2006/main">
   <p:cSld>
@@ -3677,6 +3799,599 @@
               <a:rPr lang="en-IN" dirty="0" err="1" smtClean="0"/>
               <a:t>iot</a:t>
             </a:r>
+            <a:endParaRPr lang="en-US" dirty="0"/>
+          </a:p>
+        </p:txBody>
+      </p:sp>
+    </p:spTree>
+  </p:cSld>
+  <p:clrMapOvr>
+    <a:masterClrMapping/>
+  </p:clrMapOvr>
+</p:sld>
+</file>
+
+<file path=ppt/slides/slide8.xml><?xml version="1.0" encoding="utf-8"?>
+<p:sld xmlns:a="http://schemas.openxmlformats.org/drawingml/2006/main" xmlns:r="http://schemas.openxmlformats.org/officeDocument/2006/relationships" xmlns:p="http://schemas.openxmlformats.org/presentationml/2006/main">
+  <p:cSld>
+    <p:spTree>
+      <p:nvGrpSpPr>
+        <p:cNvPr id="1" name=""/>
+        <p:cNvGrpSpPr/>
+        <p:nvPr/>
+      </p:nvGrpSpPr>
+      <p:grpSpPr>
+        <a:xfrm>
+          <a:off x="0" y="0"/>
+          <a:ext cx="0" cy="0"/>
+          <a:chOff x="0" y="0"/>
+          <a:chExt cx="0" cy="0"/>
+        </a:xfrm>
+      </p:grpSpPr>
+      <p:sp>
+        <p:nvSpPr>
+          <p:cNvPr id="2" name="Title 1"/>
+          <p:cNvSpPr>
+            <a:spLocks noGrp="1"/>
+          </p:cNvSpPr>
+          <p:nvPr>
+            <p:ph type="title"/>
+          </p:nvPr>
+        </p:nvSpPr>
+        <p:spPr/>
+        <p:txBody>
+          <a:bodyPr/>
+          <a:lstStyle/>
+          <a:p>
+            <a:r>
+              <a:rPr lang="en-IN" dirty="0" smtClean="0"/>
+              <a:t>Problem description</a:t>
+            </a:r>
+            <a:endParaRPr lang="en-US" dirty="0"/>
+          </a:p>
+        </p:txBody>
+      </p:sp>
+      <p:sp>
+        <p:nvSpPr>
+          <p:cNvPr id="3" name="Text Placeholder 2"/>
+          <p:cNvSpPr>
+            <a:spLocks noGrp="1"/>
+          </p:cNvSpPr>
+          <p:nvPr>
+            <p:ph type="body" idx="1"/>
+          </p:nvPr>
+        </p:nvSpPr>
+        <p:spPr>
+          <a:xfrm>
+            <a:off x="1600200" y="2507786"/>
+            <a:ext cx="7086600" cy="4135924"/>
+          </a:xfrm>
+        </p:spPr>
+        <p:txBody>
+          <a:bodyPr>
+            <a:normAutofit/>
+          </a:bodyPr>
+          <a:lstStyle/>
+          <a:p>
+            <a:pPr marL="530352" indent="-457200">
+              <a:buFont typeface="+mj-lt"/>
+              <a:buAutoNum type="arabicPeriod"/>
+            </a:pPr>
+            <a:r>
+              <a:rPr lang="en-IN" dirty="0" smtClean="0"/>
+              <a:t>Punctuality is  not maintained in public transport service and route rationalization</a:t>
+            </a:r>
+          </a:p>
+          <a:p>
+            <a:pPr marL="530352" indent="-457200">
+              <a:buFont typeface="+mj-lt"/>
+              <a:buAutoNum type="arabicPeriod"/>
+            </a:pPr>
+            <a:r>
+              <a:rPr lang="en-IN" dirty="0" smtClean="0"/>
+              <a:t>Does not optimize service distribution </a:t>
+            </a:r>
+          </a:p>
+          <a:p>
+            <a:pPr marL="530352" indent="-457200">
+              <a:buFont typeface="+mj-lt"/>
+              <a:buAutoNum type="arabicPeriod"/>
+            </a:pPr>
+            <a:r>
+              <a:rPr lang="en-IN" dirty="0" smtClean="0"/>
+              <a:t>Crowd in popular routes and also waiting time is extended</a:t>
+            </a:r>
+          </a:p>
+          <a:p>
+            <a:pPr marL="530352" indent="-457200"/>
+            <a:r>
+              <a:rPr lang="en-IN" b="1" dirty="0" smtClean="0"/>
+              <a:t>Hardware requirement:</a:t>
+            </a:r>
+          </a:p>
+          <a:p>
+            <a:pPr marL="530352" indent="-457200">
+              <a:buAutoNum type="arabicPeriod"/>
+            </a:pPr>
+            <a:r>
+              <a:rPr lang="en-IN" b="1" dirty="0" err="1" smtClean="0"/>
+              <a:t>Gps</a:t>
+            </a:r>
+            <a:endParaRPr lang="en-IN" b="1" dirty="0" smtClean="0"/>
+          </a:p>
+          <a:p>
+            <a:pPr marL="530352" indent="-457200">
+              <a:buAutoNum type="arabicPeriod"/>
+            </a:pPr>
+            <a:r>
+              <a:rPr lang="en-IN" b="1" dirty="0" smtClean="0"/>
+              <a:t>Smart cars use allow a central </a:t>
+            </a:r>
+            <a:r>
+              <a:rPr lang="en-IN" b="1" dirty="0" err="1" smtClean="0"/>
+              <a:t>center</a:t>
+            </a:r>
+            <a:r>
+              <a:rPr lang="en-IN" b="1" dirty="0" smtClean="0"/>
+              <a:t> to monitor all operation</a:t>
+            </a:r>
+          </a:p>
+          <a:p>
+            <a:pPr marL="530352" indent="-457200"/>
+            <a:r>
+              <a:rPr lang="en-IN" b="1" dirty="0" smtClean="0"/>
+              <a:t>Software requirement:</a:t>
+            </a:r>
+          </a:p>
+          <a:p>
+            <a:pPr marL="530352" indent="-457200">
+              <a:buAutoNum type="arabicPeriod"/>
+            </a:pPr>
+            <a:r>
+              <a:rPr lang="en-IN" b="1" dirty="0" smtClean="0"/>
+              <a:t>Python used in machine learning</a:t>
+            </a:r>
+          </a:p>
+          <a:p>
+            <a:pPr marL="530352" indent="-457200"/>
+            <a:endParaRPr lang="en-IN" b="1" dirty="0" smtClean="0"/>
+          </a:p>
+          <a:p>
+            <a:pPr marL="530352" indent="-457200">
+              <a:buAutoNum type="arabicPeriod"/>
+            </a:pPr>
+            <a:endParaRPr lang="en-IN" b="1" dirty="0" smtClean="0"/>
+          </a:p>
+          <a:p>
+            <a:pPr marL="530352" indent="-457200"/>
+            <a:endParaRPr lang="en-US" b="1" dirty="0"/>
+          </a:p>
+        </p:txBody>
+      </p:sp>
+    </p:spTree>
+  </p:cSld>
+  <p:clrMapOvr>
+    <a:masterClrMapping/>
+  </p:clrMapOvr>
+</p:sld>
+</file>
+
+<file path=ppt/slides/slide9.xml><?xml version="1.0" encoding="utf-8"?>
+<p:sld xmlns:a="http://schemas.openxmlformats.org/drawingml/2006/main" xmlns:r="http://schemas.openxmlformats.org/officeDocument/2006/relationships" xmlns:p="http://schemas.openxmlformats.org/presentationml/2006/main">
+  <p:cSld>
+    <p:spTree>
+      <p:nvGrpSpPr>
+        <p:cNvPr id="1" name=""/>
+        <p:cNvGrpSpPr/>
+        <p:nvPr/>
+      </p:nvGrpSpPr>
+      <p:grpSpPr>
+        <a:xfrm>
+          <a:off x="0" y="0"/>
+          <a:ext cx="0" cy="0"/>
+          <a:chOff x="0" y="0"/>
+          <a:chExt cx="0" cy="0"/>
+        </a:xfrm>
+      </p:grpSpPr>
+      <p:sp>
+        <p:nvSpPr>
+          <p:cNvPr id="2" name="Title 1"/>
+          <p:cNvSpPr>
+            <a:spLocks noGrp="1"/>
+          </p:cNvSpPr>
+          <p:nvPr>
+            <p:ph type="title"/>
+          </p:nvPr>
+        </p:nvSpPr>
+        <p:spPr/>
+        <p:txBody>
+          <a:bodyPr>
+            <a:normAutofit fontScale="90000"/>
+          </a:bodyPr>
+          <a:lstStyle/>
+          <a:p>
+            <a:r>
+              <a:rPr lang="en-IN" dirty="0" smtClean="0"/>
+              <a:t>Python coding for traffic monitoring</a:t>
+            </a:r>
+            <a:endParaRPr lang="en-US" dirty="0"/>
+          </a:p>
+        </p:txBody>
+      </p:sp>
+      <p:sp>
+        <p:nvSpPr>
+          <p:cNvPr id="3" name="Content Placeholder 2"/>
+          <p:cNvSpPr>
+            <a:spLocks noGrp="1"/>
+          </p:cNvSpPr>
+          <p:nvPr>
+            <p:ph idx="1"/>
+          </p:nvPr>
+        </p:nvSpPr>
+        <p:spPr>
+          <a:xfrm>
+            <a:off x="1000100" y="1357298"/>
+            <a:ext cx="8143900" cy="6329394"/>
+          </a:xfrm>
+        </p:spPr>
+        <p:txBody>
+          <a:bodyPr>
+            <a:normAutofit fontScale="40000" lnSpcReduction="20000"/>
+          </a:bodyPr>
+          <a:lstStyle/>
+          <a:p>
+            <a:pPr>
+              <a:buNone/>
+            </a:pPr>
+            <a:endParaRPr lang="en-US" dirty="0" smtClean="0"/>
+          </a:p>
+          <a:p>
+            <a:r>
+              <a:rPr lang="en-US" dirty="0" smtClean="0"/>
+              <a:t>    global </a:t>
+            </a:r>
+            <a:r>
+              <a:rPr lang="en-US" dirty="0" err="1" smtClean="0"/>
+              <a:t>trafficLightNormalCurrState</a:t>
+            </a:r>
+            <a:endParaRPr lang="en-US" dirty="0" smtClean="0"/>
+          </a:p>
+          <a:p>
+            <a:r>
+              <a:rPr lang="en-US" dirty="0" smtClean="0"/>
+              <a:t>    state = </a:t>
+            </a:r>
+            <a:r>
+              <a:rPr lang="en-US" dirty="0" err="1" smtClean="0"/>
+              <a:t>emergencyVehicleState</a:t>
+            </a:r>
+            <a:r>
+              <a:rPr lang="en-US" dirty="0" smtClean="0"/>
+              <a:t>["state"]</a:t>
+            </a:r>
+          </a:p>
+          <a:p>
+            <a:r>
+              <a:rPr lang="en-US" dirty="0" smtClean="0"/>
+              <a:t>    if state == NORMAL:</a:t>
+            </a:r>
+          </a:p>
+          <a:p>
+            <a:r>
+              <a:rPr lang="en-US" dirty="0" smtClean="0"/>
+              <a:t/>
+            </a:r>
+            <a:br>
+              <a:rPr lang="en-US" dirty="0" smtClean="0"/>
+            </a:br>
+            <a:endParaRPr lang="en-US" dirty="0" smtClean="0"/>
+          </a:p>
+          <a:p>
+            <a:r>
+              <a:rPr lang="en-US" dirty="0" smtClean="0"/>
+              <a:t>        if (LIGHT_RED == </a:t>
+            </a:r>
+            <a:r>
+              <a:rPr lang="en-US" dirty="0" err="1" smtClean="0"/>
+              <a:t>trafficLightNormalCurrState</a:t>
+            </a:r>
+            <a:r>
+              <a:rPr lang="en-US" dirty="0" smtClean="0"/>
+              <a:t>):</a:t>
+            </a:r>
+          </a:p>
+          <a:p>
+            <a:r>
+              <a:rPr lang="en-US" dirty="0" smtClean="0"/>
+              <a:t>            print "Switching to RED\n"  </a:t>
+            </a:r>
+          </a:p>
+          <a:p>
+            <a:r>
+              <a:rPr lang="en-US" dirty="0" smtClean="0"/>
+              <a:t>            </a:t>
+            </a:r>
+            <a:r>
+              <a:rPr lang="en-US" dirty="0" err="1" smtClean="0"/>
+              <a:t>set_red</a:t>
+            </a:r>
+            <a:r>
+              <a:rPr lang="en-US" dirty="0" smtClean="0"/>
+              <a:t>()</a:t>
+            </a:r>
+            <a:endParaRPr lang="en-US" sz="7000" dirty="0" smtClean="0"/>
+          </a:p>
+          <a:p>
+            <a:r>
+              <a:rPr lang="en-US" dirty="0" smtClean="0"/>
+              <a:t>        </a:t>
+            </a:r>
+            <a:r>
+              <a:rPr lang="en-US" dirty="0" err="1" smtClean="0"/>
+              <a:t>elif</a:t>
+            </a:r>
+            <a:r>
+              <a:rPr lang="en-US" dirty="0" smtClean="0"/>
+              <a:t> (LIGHT_YELLOW == </a:t>
+            </a:r>
+            <a:r>
+              <a:rPr lang="en-US" dirty="0" err="1" smtClean="0"/>
+              <a:t>trafficLightNormalCurrState</a:t>
+            </a:r>
+            <a:r>
+              <a:rPr lang="en-US" dirty="0" smtClean="0"/>
+              <a:t>):</a:t>
+            </a:r>
+          </a:p>
+          <a:p>
+            <a:r>
+              <a:rPr lang="en-US" dirty="0" smtClean="0"/>
+              <a:t>def </a:t>
+            </a:r>
+            <a:r>
+              <a:rPr lang="en-US" dirty="0" err="1" smtClean="0"/>
+              <a:t>updateTrafficSignal</a:t>
+            </a:r>
+            <a:r>
+              <a:rPr lang="en-US" dirty="0" smtClean="0"/>
+              <a:t>():</a:t>
+            </a:r>
+          </a:p>
+          <a:p>
+            <a:r>
+              <a:rPr lang="en-US" dirty="0" smtClean="0"/>
+              <a:t>            print "Switching to YELLOW\n"   </a:t>
+            </a:r>
+          </a:p>
+          <a:p>
+            <a:r>
+              <a:rPr lang="en-US" dirty="0" smtClean="0"/>
+              <a:t>            </a:t>
+            </a:r>
+            <a:r>
+              <a:rPr lang="en-US" dirty="0" err="1" smtClean="0"/>
+              <a:t>set_yellow</a:t>
+            </a:r>
+            <a:r>
+              <a:rPr lang="en-US" dirty="0" smtClean="0"/>
+              <a:t>()</a:t>
+            </a:r>
+            <a:endParaRPr lang="en-US" sz="15000" dirty="0" smtClean="0">
+              <a:latin typeface="Bahnschrift" pitchFamily="34" charset="0"/>
+            </a:endParaRPr>
+          </a:p>
+          <a:p>
+            <a:r>
+              <a:rPr lang="en-US" dirty="0" smtClean="0"/>
+              <a:t>        </a:t>
+            </a:r>
+            <a:r>
+              <a:rPr lang="en-US" dirty="0" err="1" smtClean="0"/>
+              <a:t>elif</a:t>
+            </a:r>
+            <a:r>
+              <a:rPr lang="en-US" dirty="0" smtClean="0"/>
+              <a:t> (LIGHT_GREEN == </a:t>
+            </a:r>
+            <a:r>
+              <a:rPr lang="en-US" dirty="0" err="1" smtClean="0"/>
+              <a:t>trafficLightNormalCurrState</a:t>
+            </a:r>
+            <a:r>
+              <a:rPr lang="en-US" dirty="0" smtClean="0"/>
+              <a:t>):</a:t>
+            </a:r>
+          </a:p>
+          <a:p>
+            <a:r>
+              <a:rPr lang="en-US" dirty="0" smtClean="0"/>
+              <a:t>            print "Switching to GREEN\n"    </a:t>
+            </a:r>
+          </a:p>
+          <a:p>
+            <a:r>
+              <a:rPr lang="en-US" dirty="0" smtClean="0"/>
+              <a:t>            </a:t>
+            </a:r>
+            <a:r>
+              <a:rPr lang="en-US" dirty="0" err="1" smtClean="0"/>
+              <a:t>set_green</a:t>
+            </a:r>
+            <a:r>
+              <a:rPr lang="en-US" dirty="0" smtClean="0"/>
+              <a:t>()</a:t>
+            </a:r>
+          </a:p>
+          <a:p>
+            <a:r>
+              <a:rPr lang="en-US" dirty="0" smtClean="0"/>
+              <a:t/>
+            </a:r>
+            <a:br>
+              <a:rPr lang="en-US" dirty="0" smtClean="0"/>
+            </a:br>
+            <a:endParaRPr lang="en-US" dirty="0" smtClean="0"/>
+          </a:p>
+          <a:p>
+            <a:r>
+              <a:rPr lang="en-US" dirty="0" smtClean="0"/>
+              <a:t>        </a:t>
+            </a:r>
+            <a:r>
+              <a:rPr lang="en-US" dirty="0" err="1" smtClean="0"/>
+              <a:t>time.sleep</a:t>
+            </a:r>
+            <a:r>
+              <a:rPr lang="en-US" dirty="0" smtClean="0"/>
+              <a:t>(</a:t>
+            </a:r>
+            <a:r>
+              <a:rPr lang="en-US" dirty="0" err="1" smtClean="0"/>
+              <a:t>trafficLightNormalCycleTime</a:t>
+            </a:r>
+            <a:r>
+              <a:rPr lang="en-US" dirty="0" smtClean="0"/>
+              <a:t>[</a:t>
+            </a:r>
+            <a:r>
+              <a:rPr lang="en-US" dirty="0" err="1" smtClean="0"/>
+              <a:t>trafficLightNormalCurrState</a:t>
+            </a:r>
+            <a:r>
+              <a:rPr lang="en-US" dirty="0" smtClean="0"/>
+              <a:t>])</a:t>
+            </a:r>
+          </a:p>
+          <a:p>
+            <a:r>
+              <a:rPr lang="en-US" dirty="0" smtClean="0"/>
+              <a:t/>
+            </a:r>
+            <a:br>
+              <a:rPr lang="en-US" dirty="0" smtClean="0"/>
+            </a:br>
+            <a:endParaRPr lang="en-US" dirty="0" smtClean="0"/>
+          </a:p>
+          <a:p>
+            <a:pPr marL="1169988" indent="-1033463">
+              <a:tabLst>
+                <a:tab pos="1349375" algn="l"/>
+              </a:tabLst>
+            </a:pPr>
+            <a:r>
+              <a:rPr lang="en-US" dirty="0" smtClean="0"/>
+              <a:t>        </a:t>
+            </a:r>
+            <a:r>
+              <a:rPr lang="en-US" dirty="0" err="1" smtClean="0"/>
+              <a:t>trafficLightNormalCurrState</a:t>
+            </a:r>
+            <a:r>
+              <a:rPr lang="en-US" dirty="0" smtClean="0"/>
+              <a:t> = </a:t>
+            </a:r>
+            <a:r>
+              <a:rPr lang="en-US" dirty="0" err="1" smtClean="0"/>
+              <a:t>trafficLightNormalCycle</a:t>
+            </a:r>
+            <a:r>
+              <a:rPr lang="en-US" dirty="0" smtClean="0"/>
+              <a:t>[ (</a:t>
+            </a:r>
+            <a:r>
+              <a:rPr lang="en-US" dirty="0" err="1" smtClean="0"/>
+              <a:t>trafficLightNormalCurrState</a:t>
+            </a:r>
+            <a:r>
+              <a:rPr lang="en-US" dirty="0" smtClean="0"/>
+              <a:t> + 1) % 3]</a:t>
+            </a:r>
+          </a:p>
+          <a:p>
+            <a:r>
+              <a:rPr lang="en-US" dirty="0" smtClean="0"/>
+              <a:t/>
+            </a:r>
+            <a:br>
+              <a:rPr lang="en-US" dirty="0" smtClean="0"/>
+            </a:br>
+            <a:endParaRPr lang="en-US" dirty="0" smtClean="0"/>
+          </a:p>
+          <a:p>
+            <a:r>
+              <a:rPr lang="en-US" dirty="0" smtClean="0"/>
+              <a:t>    </a:t>
+            </a:r>
+            <a:r>
+              <a:rPr lang="en-US" dirty="0" err="1" smtClean="0"/>
+              <a:t>elif</a:t>
+            </a:r>
+            <a:r>
+              <a:rPr lang="en-US" dirty="0" smtClean="0"/>
+              <a:t> state == CRITICAL:</a:t>
+            </a:r>
+          </a:p>
+          <a:p>
+            <a:r>
+              <a:rPr lang="en-US" dirty="0" smtClean="0"/>
+              <a:t>        </a:t>
+            </a:r>
+            <a:r>
+              <a:rPr lang="en-US" dirty="0" err="1" smtClean="0"/>
+              <a:t>set_green</a:t>
+            </a:r>
+            <a:r>
+              <a:rPr lang="en-US" dirty="0" smtClean="0"/>
+              <a:t>()</a:t>
+            </a:r>
+          </a:p>
+          <a:p>
+            <a:r>
+              <a:rPr lang="en-US" dirty="0" smtClean="0"/>
+              <a:t>        print "Detected Critical Distance from Emergency Vehicle\n"</a:t>
+            </a:r>
+          </a:p>
+          <a:p>
+            <a:r>
+              <a:rPr lang="en-US" dirty="0" smtClean="0"/>
+              <a:t/>
+            </a:r>
+            <a:br>
+              <a:rPr lang="en-US" dirty="0" smtClean="0"/>
+            </a:br>
+            <a:endParaRPr lang="en-US" dirty="0" smtClean="0"/>
+          </a:p>
+          <a:p>
+            <a:r>
+              <a:rPr lang="en-US" dirty="0" smtClean="0"/>
+              <a:t>        print "Switching to GREEN and Hold\n"</a:t>
+            </a:r>
+          </a:p>
+          <a:p>
+            <a:r>
+              <a:rPr lang="en-US" dirty="0" smtClean="0"/>
+              <a:t>        </a:t>
+            </a:r>
+            <a:r>
+              <a:rPr lang="en-US" dirty="0" err="1" smtClean="0"/>
+              <a:t>time.sleep</a:t>
+            </a:r>
+            <a:r>
+              <a:rPr lang="en-US" dirty="0" smtClean="0"/>
+              <a:t>(3)</a:t>
+            </a:r>
+          </a:p>
+          <a:p>
+            <a:pPr>
+              <a:buNone/>
+            </a:pPr>
+            <a:r>
+              <a:rPr lang="en-US" dirty="0" smtClean="0"/>
+              <a:t/>
+            </a:r>
+            <a:br>
+              <a:rPr lang="en-US" dirty="0" smtClean="0"/>
+            </a:br>
             <a:endParaRPr lang="en-US" dirty="0"/>
           </a:p>
         </p:txBody>
